--- a/trunk/QuartzAdmin/docs/QuartzAdminOverview.pptx
+++ b/trunk/QuartzAdmin/docs/QuartzAdminOverview.pptx
@@ -5,7 +5,7 @@
     <p:sldMasterId id="2147483649" r:id="rId1"/>
   </p:sldMasterIdLst>
   <p:notesMasterIdLst>
-    <p:notesMasterId r:id="rId11"/>
+    <p:notesMasterId r:id="rId10"/>
   </p:notesMasterIdLst>
   <p:sldIdLst>
     <p:sldId id="256" r:id="rId2"/>
@@ -13,10 +13,9 @@
     <p:sldId id="258" r:id="rId4"/>
     <p:sldId id="259" r:id="rId5"/>
     <p:sldId id="260" r:id="rId6"/>
-    <p:sldId id="261" r:id="rId7"/>
-    <p:sldId id="262" r:id="rId8"/>
-    <p:sldId id="264" r:id="rId9"/>
-    <p:sldId id="263" r:id="rId10"/>
+    <p:sldId id="262" r:id="rId7"/>
+    <p:sldId id="264" r:id="rId8"/>
+    <p:sldId id="263" r:id="rId9"/>
   </p:sldIdLst>
   <p:sldSz cx="9144000" cy="6858000" type="screen4x3"/>
   <p:notesSz cx="6858000" cy="9144000"/>
@@ -267,7 +266,7 @@
         <p:nvSpPr>
           <p:cNvPr id="28676" name="Rectangle 4"/>
           <p:cNvSpPr>
-            <a:spLocks noRot="1" noChangeArrowheads="1" noTextEdit="1"/>
+            <a:spLocks noGrp="1" noRot="1" noChangeAspect="1" noChangeArrowheads="1" noTextEdit="1"/>
           </p:cNvSpPr>
           <p:nvPr>
             <p:ph type="sldImg" idx="2"/>
@@ -1243,88 +1242,6 @@
 </p:notes>
 </file>
 
-<file path=ppt/notesSlides/notesSlide9.xml><?xml version="1.0" encoding="utf-8"?>
-<p:notes xmlns:a="http://schemas.openxmlformats.org/drawingml/2006/main" xmlns:r="http://schemas.openxmlformats.org/officeDocument/2006/relationships" xmlns:p="http://schemas.openxmlformats.org/presentationml/2006/main">
-  <p:cSld>
-    <p:spTree>
-      <p:nvGrpSpPr>
-        <p:cNvPr id="1" name=""/>
-        <p:cNvGrpSpPr/>
-        <p:nvPr/>
-      </p:nvGrpSpPr>
-      <p:grpSpPr>
-        <a:xfrm>
-          <a:off x="0" y="0"/>
-          <a:ext cx="0" cy="0"/>
-          <a:chOff x="0" y="0"/>
-          <a:chExt cx="0" cy="0"/>
-        </a:xfrm>
-      </p:grpSpPr>
-      <p:sp>
-        <p:nvSpPr>
-          <p:cNvPr id="2" name="Slide Image Placeholder 1"/>
-          <p:cNvSpPr>
-            <a:spLocks noGrp="1" noRot="1" noChangeAspect="1"/>
-          </p:cNvSpPr>
-          <p:nvPr>
-            <p:ph type="sldImg"/>
-          </p:nvPr>
-        </p:nvSpPr>
-        <p:spPr/>
-      </p:sp>
-      <p:sp>
-        <p:nvSpPr>
-          <p:cNvPr id="3" name="Notes Placeholder 2"/>
-          <p:cNvSpPr>
-            <a:spLocks noGrp="1"/>
-          </p:cNvSpPr>
-          <p:nvPr>
-            <p:ph type="body" idx="1"/>
-          </p:nvPr>
-        </p:nvSpPr>
-        <p:spPr/>
-        <p:txBody>
-          <a:bodyPr>
-            <a:normAutofit/>
-          </a:bodyPr>
-          <a:lstStyle/>
-          <a:p>
-            <a:endParaRPr lang="en-US"/>
-          </a:p>
-        </p:txBody>
-      </p:sp>
-      <p:sp>
-        <p:nvSpPr>
-          <p:cNvPr id="4" name="Slide Number Placeholder 3"/>
-          <p:cNvSpPr>
-            <a:spLocks noGrp="1"/>
-          </p:cNvSpPr>
-          <p:nvPr>
-            <p:ph type="sldNum" sz="quarter" idx="10"/>
-          </p:nvPr>
-        </p:nvSpPr>
-        <p:spPr/>
-        <p:txBody>
-          <a:bodyPr/>
-          <a:lstStyle/>
-          <a:p>
-            <a:fld id="{37A421B7-567B-4D4D-BEA3-5FBD33DC36DD}" type="slidenum">
-              <a:rPr lang="en-US" smtClean="0"/>
-              <a:pPr/>
-              <a:t>9</a:t>
-            </a:fld>
-            <a:endParaRPr lang="en-US"/>
-          </a:p>
-        </p:txBody>
-      </p:sp>
-    </p:spTree>
-  </p:cSld>
-  <p:clrMapOvr>
-    <a:masterClrMapping/>
-  </p:clrMapOvr>
-</p:notes>
-</file>
-
 <file path=ppt/slideLayouts/slideLayout1.xml><?xml version="1.0" encoding="utf-8"?>
 <p:sldLayout xmlns:a="http://schemas.openxmlformats.org/drawingml/2006/main" xmlns:r="http://schemas.openxmlformats.org/officeDocument/2006/relationships" xmlns:p="http://schemas.openxmlformats.org/presentationml/2006/main" showMasterSp="0" type="title" preserve="1">
   <p:cSld name="Title Slide">
@@ -3985,7 +3902,6 @@
               <a:rPr lang="en-US" smtClean="0"/>
               <a:t>Fifth level</a:t>
             </a:r>
-            <a:endParaRPr lang="en-US" smtClean="0"/>
           </a:p>
         </p:txBody>
       </p:sp>
@@ -4826,20 +4742,12 @@
               <a:t> - O/R Mapping and database </a:t>
             </a:r>
             <a:r>
-              <a:rPr lang="en-US" sz="1600" dirty="0" err="1" smtClean="0"/>
-              <a:t>independant</a:t>
-            </a:r>
-            <a:r>
               <a:rPr lang="en-US" sz="1600" dirty="0" smtClean="0"/>
-              <a:t> </a:t>
-            </a:r>
-            <a:r>
-              <a:rPr lang="en-US" sz="1600" dirty="0" err="1" smtClean="0"/>
-              <a:t>persistance</a:t>
+              <a:t>independent persistence </a:t>
             </a:r>
             <a:r>
               <a:rPr lang="en-US" sz="1600" dirty="0" smtClean="0"/>
-              <a:t> layer</a:t>
+              <a:t>layer</a:t>
             </a:r>
           </a:p>
           <a:p>
@@ -5147,7 +5055,15 @@
           <a:p>
             <a:r>
               <a:rPr lang="en-US" sz="2400" dirty="0" smtClean="0"/>
-              <a:t>As a result all quartz operations must be implemented within the application it is embedded in.  </a:t>
+              <a:t>As a result all quartz operations must be implemented within the application it is embedded </a:t>
+            </a:r>
+            <a:r>
+              <a:rPr lang="en-US" sz="2400" dirty="0" smtClean="0"/>
+              <a:t>in</a:t>
+            </a:r>
+            <a:r>
+              <a:rPr lang="en-US" sz="2400" dirty="0" smtClean="0"/>
+              <a:t>.  </a:t>
             </a:r>
           </a:p>
           <a:p>
@@ -5239,7 +5155,7 @@
           <a:p>
             <a:r>
               <a:rPr lang="en-US" dirty="0" smtClean="0"/>
-              <a:t>What is BDD?</a:t>
+              <a:t>What is ASP.NET MVC?</a:t>
             </a:r>
             <a:endParaRPr lang="en-US" dirty="0"/>
           </a:p>
@@ -5260,7 +5176,43 @@
           <a:bodyPr/>
           <a:lstStyle/>
           <a:p>
-            <a:endParaRPr lang="en-US"/>
+            <a:r>
+              <a:rPr lang="en-US" sz="2000" dirty="0" smtClean="0"/>
+              <a:t>Briefly, MVC stands for Model - View - Controller.  </a:t>
+            </a:r>
+          </a:p>
+          <a:p>
+            <a:r>
+              <a:rPr lang="en-US" sz="2000" dirty="0" smtClean="0"/>
+              <a:t>Models contain the business entities and business logic.  </a:t>
+            </a:r>
+          </a:p>
+          <a:p>
+            <a:r>
+              <a:rPr lang="en-US" sz="2000" dirty="0" smtClean="0"/>
+              <a:t>Views are the presentation logic.  </a:t>
+            </a:r>
+          </a:p>
+          <a:p>
+            <a:r>
+              <a:rPr lang="en-US" sz="2000" dirty="0" smtClean="0"/>
+              <a:t>Controllers are the application logic.  We won't go into any great depth at this time because we have a lot to cover, but we've setup a page with several resources for learning more, or if there's enough interest we'll do one of these sessions that focuses only on ASP.NET MVC.  </a:t>
+            </a:r>
+          </a:p>
+          <a:p>
+            <a:r>
+              <a:rPr lang="en-US" sz="2000" dirty="0" smtClean="0"/>
+              <a:t>Lets walk through creating a page that displays the details of a Quartz.NET job.  </a:t>
+            </a:r>
+          </a:p>
+          <a:p>
+            <a:r>
+              <a:rPr lang="en-US" sz="2000" dirty="0" smtClean="0"/>
+              <a:t>Review how each of the technologies listed above is used.</a:t>
+            </a:r>
+          </a:p>
+          <a:p>
+            <a:endParaRPr lang="en-US" sz="2000" dirty="0"/>
           </a:p>
         </p:txBody>
       </p:sp>
@@ -5330,64 +5282,9 @@
           <a:p>
             <a:r>
               <a:rPr lang="en-US" dirty="0" smtClean="0"/>
-              <a:t>What is ASP.NET MVC?</a:t>
+              <a:t>Architecture Diagram</a:t>
             </a:r>
             <a:endParaRPr lang="en-US" dirty="0"/>
-          </a:p>
-        </p:txBody>
-      </p:sp>
-      <p:sp>
-        <p:nvSpPr>
-          <p:cNvPr id="3" name="Content Placeholder 2"/>
-          <p:cNvSpPr>
-            <a:spLocks noGrp="1"/>
-          </p:cNvSpPr>
-          <p:nvPr>
-            <p:ph idx="1"/>
-          </p:nvPr>
-        </p:nvSpPr>
-        <p:spPr/>
-        <p:txBody>
-          <a:bodyPr/>
-          <a:lstStyle/>
-          <a:p>
-            <a:r>
-              <a:rPr lang="en-US" sz="2000" dirty="0" smtClean="0"/>
-              <a:t>Briefly, MVC stands for Model - View - Controller.  </a:t>
-            </a:r>
-          </a:p>
-          <a:p>
-            <a:r>
-              <a:rPr lang="en-US" sz="2000" dirty="0" smtClean="0"/>
-              <a:t>Models contain the business entities and business logic.  </a:t>
-            </a:r>
-          </a:p>
-          <a:p>
-            <a:r>
-              <a:rPr lang="en-US" sz="2000" dirty="0" smtClean="0"/>
-              <a:t>Views are the presentation logic.  </a:t>
-            </a:r>
-          </a:p>
-          <a:p>
-            <a:r>
-              <a:rPr lang="en-US" sz="2000" dirty="0" smtClean="0"/>
-              <a:t>Controllers are the application logic.  We won't go into any great depth at this time because we have a lot to cover, but we've setup a page with several resources for learning more, or if there's enough interest we'll do one of these sessions that focuses only on ASP.NET MVC.  </a:t>
-            </a:r>
-          </a:p>
-          <a:p>
-            <a:r>
-              <a:rPr lang="en-US" sz="2000" dirty="0" smtClean="0"/>
-              <a:t>Lets walk through creating a page that displays the details of a Quartz.NET job.  </a:t>
-            </a:r>
-          </a:p>
-          <a:p>
-            <a:r>
-              <a:rPr lang="en-US" sz="2000" dirty="0" smtClean="0"/>
-              <a:t>Review how each of the technologies listed above is used.</a:t>
-            </a:r>
-          </a:p>
-          <a:p>
-            <a:endParaRPr lang="en-US" sz="2000" dirty="0"/>
           </a:p>
         </p:txBody>
       </p:sp>
@@ -5411,6 +5308,25 @@
               <a:pPr/>
               <a:t>7</a:t>
             </a:fld>
+            <a:endParaRPr lang="en-US"/>
+          </a:p>
+        </p:txBody>
+      </p:sp>
+      <p:sp>
+        <p:nvSpPr>
+          <p:cNvPr id="6" name="Content Placeholder 5"/>
+          <p:cNvSpPr>
+            <a:spLocks noGrp="1"/>
+          </p:cNvSpPr>
+          <p:nvPr>
+            <p:ph idx="1"/>
+          </p:nvPr>
+        </p:nvSpPr>
+        <p:spPr/>
+        <p:txBody>
+          <a:bodyPr/>
+          <a:lstStyle/>
+          <a:p>
             <a:endParaRPr lang="en-US"/>
           </a:p>
         </p:txBody>
@@ -5457,9 +5373,38 @@
           <a:p>
             <a:r>
               <a:rPr lang="en-US" dirty="0" smtClean="0"/>
-              <a:t>Architecture Diagram</a:t>
+              <a:t>What's next?</a:t>
             </a:r>
             <a:endParaRPr lang="en-US" dirty="0"/>
+          </a:p>
+        </p:txBody>
+      </p:sp>
+      <p:sp>
+        <p:nvSpPr>
+          <p:cNvPr id="3" name="Content Placeholder 2"/>
+          <p:cNvSpPr>
+            <a:spLocks noGrp="1"/>
+          </p:cNvSpPr>
+          <p:nvPr>
+            <p:ph idx="1"/>
+          </p:nvPr>
+        </p:nvSpPr>
+        <p:spPr/>
+        <p:txBody>
+          <a:bodyPr/>
+          <a:lstStyle/>
+          <a:p>
+            <a:r>
+              <a:rPr lang="en-US" sz="2400" dirty="0" smtClean="0"/>
+              <a:t>We'd like volunteers for to work on Release .02 with us and would also like to discuss the design of each functional area.  </a:t>
+            </a:r>
+          </a:p>
+          <a:p>
+            <a:r>
+              <a:rPr lang="en-US" sz="2400" dirty="0" smtClean="0"/>
+              <a:t>(Hopefully, we'll have some additional discussion here)</a:t>
+            </a:r>
+            <a:endParaRPr lang="en-US" sz="2400" dirty="0"/>
           </a:p>
         </p:txBody>
       </p:sp>
@@ -5482,126 +5427,6 @@
               <a:rPr lang="en-US" smtClean="0"/>
               <a:pPr/>
               <a:t>8</a:t>
-            </a:fld>
-            <a:endParaRPr lang="en-US"/>
-          </a:p>
-        </p:txBody>
-      </p:sp>
-      <p:sp>
-        <p:nvSpPr>
-          <p:cNvPr id="6" name="Content Placeholder 5"/>
-          <p:cNvSpPr>
-            <a:spLocks noGrp="1"/>
-          </p:cNvSpPr>
-          <p:nvPr>
-            <p:ph idx="1"/>
-          </p:nvPr>
-        </p:nvSpPr>
-        <p:spPr/>
-        <p:txBody>
-          <a:bodyPr/>
-          <a:lstStyle/>
-          <a:p>
-            <a:endParaRPr lang="en-US"/>
-          </a:p>
-        </p:txBody>
-      </p:sp>
-    </p:spTree>
-  </p:cSld>
-  <p:clrMapOvr>
-    <a:masterClrMapping/>
-  </p:clrMapOvr>
-</p:sld>
-</file>
-
-<file path=ppt/slides/slide9.xml><?xml version="1.0" encoding="utf-8"?>
-<p:sld xmlns:a="http://schemas.openxmlformats.org/drawingml/2006/main" xmlns:r="http://schemas.openxmlformats.org/officeDocument/2006/relationships" xmlns:p="http://schemas.openxmlformats.org/presentationml/2006/main">
-  <p:cSld>
-    <p:spTree>
-      <p:nvGrpSpPr>
-        <p:cNvPr id="1" name=""/>
-        <p:cNvGrpSpPr/>
-        <p:nvPr/>
-      </p:nvGrpSpPr>
-      <p:grpSpPr>
-        <a:xfrm>
-          <a:off x="0" y="0"/>
-          <a:ext cx="0" cy="0"/>
-          <a:chOff x="0" y="0"/>
-          <a:chExt cx="0" cy="0"/>
-        </a:xfrm>
-      </p:grpSpPr>
-      <p:sp>
-        <p:nvSpPr>
-          <p:cNvPr id="2" name="Title 1"/>
-          <p:cNvSpPr>
-            <a:spLocks noGrp="1"/>
-          </p:cNvSpPr>
-          <p:nvPr>
-            <p:ph type="title"/>
-          </p:nvPr>
-        </p:nvSpPr>
-        <p:spPr/>
-        <p:txBody>
-          <a:bodyPr/>
-          <a:lstStyle/>
-          <a:p>
-            <a:r>
-              <a:rPr lang="en-US" dirty="0" smtClean="0"/>
-              <a:t>What's next?</a:t>
-            </a:r>
-            <a:endParaRPr lang="en-US" dirty="0"/>
-          </a:p>
-        </p:txBody>
-      </p:sp>
-      <p:sp>
-        <p:nvSpPr>
-          <p:cNvPr id="3" name="Content Placeholder 2"/>
-          <p:cNvSpPr>
-            <a:spLocks noGrp="1"/>
-          </p:cNvSpPr>
-          <p:nvPr>
-            <p:ph idx="1"/>
-          </p:nvPr>
-        </p:nvSpPr>
-        <p:spPr/>
-        <p:txBody>
-          <a:bodyPr/>
-          <a:lstStyle/>
-          <a:p>
-            <a:r>
-              <a:rPr lang="en-US" sz="2400" dirty="0" smtClean="0"/>
-              <a:t>We'd like volunteers for to work on Release .02 with us and would also like to discuss the design of each functional area.  </a:t>
-            </a:r>
-          </a:p>
-          <a:p>
-            <a:r>
-              <a:rPr lang="en-US" sz="2400" dirty="0" smtClean="0"/>
-              <a:t>(Hopefully, we'll have some additional discussion here)</a:t>
-            </a:r>
-            <a:endParaRPr lang="en-US" sz="2400" dirty="0"/>
-          </a:p>
-        </p:txBody>
-      </p:sp>
-      <p:sp>
-        <p:nvSpPr>
-          <p:cNvPr id="4" name="Slide Number Placeholder 3"/>
-          <p:cNvSpPr>
-            <a:spLocks noGrp="1"/>
-          </p:cNvSpPr>
-          <p:nvPr>
-            <p:ph type="sldNum" sz="quarter" idx="12"/>
-          </p:nvPr>
-        </p:nvSpPr>
-        <p:spPr/>
-        <p:txBody>
-          <a:bodyPr/>
-          <a:lstStyle/>
-          <a:p>
-            <a:fld id="{B1CC54EC-1EDA-42FA-A649-48AC31C3C310}" type="slidenum">
-              <a:rPr lang="en-US" smtClean="0"/>
-              <a:pPr/>
-              <a:t>9</a:t>
             </a:fld>
             <a:endParaRPr lang="en-US"/>
           </a:p>

--- a/trunk/QuartzAdmin/docs/QuartzAdminOverview.pptx
+++ b/trunk/QuartzAdmin/docs/QuartzAdminOverview.pptx
@@ -1248,7 +1248,7 @@
     <p:bg>
       <p:bgPr>
         <a:blipFill dpi="0" rotWithShape="0">
-          <a:blip r:embed="rId2"/>
+          <a:blip r:embed="rId2" cstate="print"/>
           <a:srcRect/>
           <a:stretch>
             <a:fillRect/>
@@ -1318,7 +1318,7 @@
           <p:nvPr/>
         </p:nvPicPr>
         <p:blipFill>
-          <a:blip r:embed="rId3"/>
+          <a:blip r:embed="rId3" cstate="print"/>
           <a:srcRect/>
           <a:stretch>
             <a:fillRect/>
@@ -3766,7 +3766,7 @@
     <p:bg bwMode="gray">
       <p:bgPr>
         <a:blipFill dpi="0" rotWithShape="0">
-          <a:blip r:embed="rId13"/>
+          <a:blip r:embed="rId13" cstate="print"/>
           <a:srcRect/>
           <a:stretch>
             <a:fillRect/>
@@ -4054,7 +4054,7 @@
           <p:nvPr/>
         </p:nvPicPr>
         <p:blipFill>
-          <a:blip r:embed="rId14"/>
+          <a:blip r:embed="rId14" cstate="print"/>
           <a:srcRect l="3006" t="7159" r="66220" b="7385"/>
           <a:stretch>
             <a:fillRect/>
@@ -4547,6 +4547,13 @@
   <p:clrMapOvr>
     <a:masterClrMapping/>
   </p:clrMapOvr>
+  <p:timing>
+    <p:tnLst>
+      <p:par>
+        <p:cTn id="1" dur="indefinite" restart="never" nodeType="tmRoot"/>
+      </p:par>
+    </p:tnLst>
+  </p:timing>
 </p:sld>
 </file>
 
@@ -4651,6 +4658,13 @@
   <p:clrMapOvr>
     <a:masterClrMapping/>
   </p:clrMapOvr>
+  <p:timing>
+    <p:tnLst>
+      <p:par>
+        <p:cTn id="1" dur="indefinite" restart="never" nodeType="tmRoot"/>
+      </p:par>
+    </p:tnLst>
+  </p:timing>
 </p:sld>
 </file>
 
@@ -4739,15 +4753,7 @@
             </a:r>
             <a:r>
               <a:rPr lang="en-US" sz="1600" dirty="0" smtClean="0"/>
-              <a:t> - O/R Mapping and database </a:t>
-            </a:r>
-            <a:r>
-              <a:rPr lang="en-US" sz="1600" dirty="0" smtClean="0"/>
-              <a:t>independent persistence </a:t>
-            </a:r>
-            <a:r>
-              <a:rPr lang="en-US" sz="1600" dirty="0" smtClean="0"/>
-              <a:t>layer</a:t>
+              <a:t> - O/R Mapping and database independent persistence layer</a:t>
             </a:r>
           </a:p>
           <a:p>
@@ -4866,6 +4872,13 @@
   <p:clrMapOvr>
     <a:masterClrMapping/>
   </p:clrMapOvr>
+  <p:timing>
+    <p:tnLst>
+      <p:par>
+        <p:cTn id="1" dur="indefinite" restart="never" nodeType="tmRoot"/>
+      </p:par>
+    </p:tnLst>
+  </p:timing>
 </p:sld>
 </file>
 
@@ -4989,6 +5002,13 @@
   <p:clrMapOvr>
     <a:masterClrMapping/>
   </p:clrMapOvr>
+  <p:timing>
+    <p:tnLst>
+      <p:par>
+        <p:cTn id="1" dur="indefinite" restart="never" nodeType="tmRoot"/>
+      </p:par>
+    </p:tnLst>
+  </p:timing>
 </p:sld>
 </file>
 
@@ -5055,15 +5075,7 @@
           <a:p>
             <a:r>
               <a:rPr lang="en-US" sz="2400" dirty="0" smtClean="0"/>
-              <a:t>As a result all quartz operations must be implemented within the application it is embedded </a:t>
-            </a:r>
-            <a:r>
-              <a:rPr lang="en-US" sz="2400" dirty="0" smtClean="0"/>
-              <a:t>in</a:t>
-            </a:r>
-            <a:r>
-              <a:rPr lang="en-US" sz="2400" dirty="0" smtClean="0"/>
-              <a:t>.  </a:t>
+              <a:t>As a result all quartz operations must be implemented within the application it is embedded in.  </a:t>
             </a:r>
           </a:p>
           <a:p>
@@ -5118,6 +5130,13 @@
   <p:clrMapOvr>
     <a:masterClrMapping/>
   </p:clrMapOvr>
+  <p:timing>
+    <p:tnLst>
+      <p:par>
+        <p:cTn id="1" dur="indefinite" restart="never" nodeType="tmRoot"/>
+      </p:par>
+    </p:tnLst>
+  </p:timing>
 </p:sld>
 </file>
 
@@ -5245,11 +5264,18 @@
   <p:clrMapOvr>
     <a:masterClrMapping/>
   </p:clrMapOvr>
+  <p:timing>
+    <p:tnLst>
+      <p:par>
+        <p:cTn id="1" dur="indefinite" restart="never" nodeType="tmRoot"/>
+      </p:par>
+    </p:tnLst>
+  </p:timing>
 </p:sld>
 </file>
 
 <file path=ppt/slides/slide7.xml><?xml version="1.0" encoding="utf-8"?>
-<p:sld xmlns:a="http://schemas.openxmlformats.org/drawingml/2006/main" xmlns:r="http://schemas.openxmlformats.org/officeDocument/2006/relationships" xmlns:p="http://schemas.openxmlformats.org/presentationml/2006/main">
+<p:sld xmlns:a="http://schemas.openxmlformats.org/drawingml/2006/main" xmlns:r="http://schemas.openxmlformats.org/officeDocument/2006/relationships" xmlns:p="http://schemas.openxmlformats.org/presentationml/2006/main" show="0">
   <p:cSld>
     <p:spTree>
       <p:nvGrpSpPr>
@@ -5336,6 +5362,7 @@
   <p:clrMapOvr>
     <a:masterClrMapping/>
   </p:clrMapOvr>
+  <p:transition/>
 </p:sld>
 </file>
 
@@ -5437,6 +5464,13 @@
   <p:clrMapOvr>
     <a:masterClrMapping/>
   </p:clrMapOvr>
+  <p:timing>
+    <p:tnLst>
+      <p:par>
+        <p:cTn id="1" dur="indefinite" restart="never" nodeType="tmRoot"/>
+      </p:par>
+    </p:tnLst>
+  </p:timing>
 </p:sld>
 </file>
 
